--- a/wiki/docs/Stage DNS Belgium.pptx
+++ b/wiki/docs/Stage DNS Belgium.pptx
@@ -5,18 +5,19 @@
     <p:sldMasterId id="2147483671" r:id="rId2"/>
   </p:sldMasterIdLst>
   <p:notesMasterIdLst>
-    <p:notesMasterId r:id="rId9"/>
+    <p:notesMasterId r:id="rId10"/>
   </p:notesMasterIdLst>
   <p:handoutMasterIdLst>
-    <p:handoutMasterId r:id="rId10"/>
+    <p:handoutMasterId r:id="rId11"/>
   </p:handoutMasterIdLst>
   <p:sldIdLst>
     <p:sldId id="257" r:id="rId3"/>
     <p:sldId id="263" r:id="rId4"/>
-    <p:sldId id="269" r:id="rId5"/>
-    <p:sldId id="261" r:id="rId6"/>
-    <p:sldId id="262" r:id="rId7"/>
-    <p:sldId id="259" r:id="rId8"/>
+    <p:sldId id="270" r:id="rId5"/>
+    <p:sldId id="269" r:id="rId6"/>
+    <p:sldId id="261" r:id="rId7"/>
+    <p:sldId id="262" r:id="rId8"/>
+    <p:sldId id="259" r:id="rId9"/>
   </p:sldIdLst>
   <p:sldSz cx="12192000" cy="6858000"/>
   <p:notesSz cx="7023100" cy="9309100"/>
@@ -880,7 +881,7 @@
             <a:fld id="{5257B995-136A-4A15-87A5-26420C3C1021}" type="slidenum">
               <a:rPr lang="en-US" smtClean="0"/>
               <a:pPr/>
-              <a:t>4</a:t>
+              <a:t>5</a:t>
             </a:fld>
             <a:endParaRPr lang="en-US"/>
           </a:p>
@@ -967,7 +968,7 @@
             <a:fld id="{5257B995-136A-4A15-87A5-26420C3C1021}" type="slidenum">
               <a:rPr lang="en-US" smtClean="0"/>
               <a:pPr/>
-              <a:t>5</a:t>
+              <a:t>6</a:t>
             </a:fld>
             <a:endParaRPr lang="en-US"/>
           </a:p>
@@ -1054,7 +1055,7 @@
             <a:fld id="{5257B995-136A-4A15-87A5-26420C3C1021}" type="slidenum">
               <a:rPr lang="en-US" smtClean="0"/>
               <a:pPr/>
-              <a:t>6</a:t>
+              <a:t>7</a:t>
             </a:fld>
             <a:endParaRPr lang="en-US"/>
           </a:p>
@@ -7176,24 +7177,16 @@
           <a:lstStyle/>
           <a:p>
             <a:r>
-              <a:rPr lang="en-US" dirty="0" err="1" smtClean="0"/>
-              <a:t>Koppelen</a:t>
-            </a:r>
-            <a:r>
-              <a:rPr lang="en-US" dirty="0" smtClean="0"/>
-              <a:t> van </a:t>
-            </a:r>
-            <a:r>
-              <a:rPr lang="en-US" dirty="0" err="1" smtClean="0"/>
-              <a:t>gebruikers</a:t>
-            </a:r>
-            <a:endParaRPr lang="en-US" dirty="0"/>
-          </a:p>
-        </p:txBody>
-      </p:sp>
-      <p:sp>
-        <p:nvSpPr>
-          <p:cNvPr id="3" name="Text Placeholder 2"/>
+              <a:rPr lang="nl-BE" smtClean="0"/>
+              <a:t>Gebruikte technologieën/tools</a:t>
+            </a:r>
+            <a:endParaRPr lang="nl-BE" dirty="0"/>
+          </a:p>
+        </p:txBody>
+      </p:sp>
+      <p:sp>
+        <p:nvSpPr>
+          <p:cNvPr id="3" name="Content Placeholder 2"/>
           <p:cNvSpPr>
             <a:spLocks noGrp="1"/>
           </p:cNvSpPr>
@@ -7207,325 +7200,66 @@
           <a:lstStyle/>
           <a:p>
             <a:r>
-              <a:rPr lang="en-US" dirty="0" err="1" smtClean="0"/>
-              <a:t>Algoritme</a:t>
-            </a:r>
-            <a:endParaRPr lang="en-US" dirty="0" smtClean="0"/>
-          </a:p>
-          <a:p>
-            <a:pPr marL="342900" lvl="1" indent="-342900"/>
-            <a:r>
-              <a:rPr lang="en-US" dirty="0" err="1"/>
-              <a:t>Gebruikers</a:t>
-            </a:r>
-            <a:r>
-              <a:rPr lang="en-US" dirty="0"/>
-              <a:t> </a:t>
-            </a:r>
-            <a:r>
-              <a:rPr lang="en-US" dirty="0" err="1"/>
-              <a:t>moeten</a:t>
-            </a:r>
-            <a:r>
-              <a:rPr lang="en-US" dirty="0"/>
-              <a:t> </a:t>
-            </a:r>
-            <a:r>
-              <a:rPr lang="en-US" dirty="0" err="1"/>
-              <a:t>niet</a:t>
-            </a:r>
-            <a:r>
-              <a:rPr lang="en-US" dirty="0"/>
-              <a:t> </a:t>
-            </a:r>
-            <a:r>
-              <a:rPr lang="en-US" dirty="0" err="1"/>
-              <a:t>voor</a:t>
-            </a:r>
-            <a:r>
-              <a:rPr lang="en-US" dirty="0"/>
-              <a:t> </a:t>
-            </a:r>
-            <a:r>
-              <a:rPr lang="en-US" dirty="0" err="1"/>
-              <a:t>alle</a:t>
-            </a:r>
-            <a:r>
-              <a:rPr lang="en-US" dirty="0"/>
-              <a:t> </a:t>
-            </a:r>
-            <a:r>
-              <a:rPr lang="en-US" dirty="0" err="1"/>
-              <a:t>andere</a:t>
-            </a:r>
-            <a:r>
-              <a:rPr lang="en-US" dirty="0"/>
-              <a:t> </a:t>
-            </a:r>
-            <a:r>
-              <a:rPr lang="en-US" dirty="0" err="1"/>
-              <a:t>gebruikers</a:t>
-            </a:r>
-            <a:r>
-              <a:rPr lang="en-US" dirty="0"/>
-              <a:t> de </a:t>
-            </a:r>
-            <a:r>
-              <a:rPr lang="en-US" dirty="0" err="1"/>
-              <a:t>vragenlijst</a:t>
-            </a:r>
-            <a:r>
-              <a:rPr lang="en-US" dirty="0"/>
-              <a:t> </a:t>
-            </a:r>
-            <a:r>
-              <a:rPr lang="en-US" dirty="0" err="1" smtClean="0"/>
-              <a:t>invullen</a:t>
-            </a:r>
-            <a:endParaRPr lang="en-US" dirty="0"/>
-          </a:p>
-          <a:p>
-            <a:r>
-              <a:rPr lang="en-US" dirty="0" smtClean="0"/>
-              <a:t>Constraints:</a:t>
-            </a:r>
-          </a:p>
-          <a:p>
-            <a:pPr lvl="1"/>
-            <a:r>
-              <a:rPr lang="en-US" dirty="0" err="1" smtClean="0"/>
-              <a:t>Een</a:t>
-            </a:r>
-            <a:r>
-              <a:rPr lang="en-US" dirty="0" smtClean="0"/>
-              <a:t> </a:t>
-            </a:r>
-            <a:r>
-              <a:rPr lang="en-US" dirty="0" err="1" smtClean="0"/>
-              <a:t>gebruiker</a:t>
-            </a:r>
-            <a:r>
-              <a:rPr lang="en-US" dirty="0" smtClean="0"/>
-              <a:t> </a:t>
-            </a:r>
-            <a:r>
-              <a:rPr lang="en-US" dirty="0" err="1" smtClean="0"/>
-              <a:t>wordt</a:t>
-            </a:r>
-            <a:r>
-              <a:rPr lang="en-US" dirty="0" smtClean="0"/>
-              <a:t> door (5) reviewers </a:t>
-            </a:r>
-            <a:r>
-              <a:rPr lang="en-US" dirty="0" err="1" smtClean="0"/>
-              <a:t>gereviewed</a:t>
-            </a:r>
-            <a:endParaRPr lang="en-US" dirty="0" smtClean="0"/>
-          </a:p>
-          <a:p>
-            <a:pPr lvl="1"/>
-            <a:r>
-              <a:rPr lang="en-US" dirty="0" err="1" smtClean="0"/>
-              <a:t>Een</a:t>
-            </a:r>
-            <a:r>
-              <a:rPr lang="en-US" dirty="0" smtClean="0"/>
-              <a:t> </a:t>
-            </a:r>
-            <a:r>
-              <a:rPr lang="en-US" dirty="0" err="1" smtClean="0"/>
-              <a:t>gebruiker</a:t>
-            </a:r>
-            <a:r>
-              <a:rPr lang="en-US" dirty="0" smtClean="0"/>
-              <a:t> reviewed (5) </a:t>
-            </a:r>
-            <a:r>
-              <a:rPr lang="en-US" dirty="0" err="1" smtClean="0"/>
-              <a:t>andere</a:t>
-            </a:r>
-            <a:r>
-              <a:rPr lang="en-US" dirty="0" smtClean="0"/>
-              <a:t> </a:t>
-            </a:r>
-            <a:r>
-              <a:rPr lang="en-US" dirty="0" err="1" smtClean="0"/>
-              <a:t>gebruikers</a:t>
-            </a:r>
-            <a:endParaRPr lang="en-US" dirty="0"/>
-          </a:p>
-          <a:p>
-            <a:pPr lvl="1"/>
-            <a:r>
-              <a:rPr lang="en-US" dirty="0" err="1" smtClean="0"/>
-              <a:t>Een</a:t>
-            </a:r>
-            <a:r>
-              <a:rPr lang="en-US" dirty="0" smtClean="0"/>
-              <a:t> </a:t>
-            </a:r>
-            <a:r>
-              <a:rPr lang="en-US" dirty="0" err="1" smtClean="0"/>
-              <a:t>gebruiker</a:t>
-            </a:r>
-            <a:r>
-              <a:rPr lang="en-US" dirty="0" smtClean="0"/>
-              <a:t> </a:t>
-            </a:r>
-            <a:r>
-              <a:rPr lang="en-US" dirty="0" err="1" smtClean="0"/>
-              <a:t>wordt</a:t>
-            </a:r>
-            <a:r>
-              <a:rPr lang="en-US" dirty="0" smtClean="0"/>
-              <a:t> </a:t>
-            </a:r>
-            <a:r>
-              <a:rPr lang="en-US" dirty="0" err="1" smtClean="0"/>
-              <a:t>hoogstens</a:t>
-            </a:r>
-            <a:r>
-              <a:rPr lang="en-US" dirty="0" smtClean="0"/>
-              <a:t> door (1) manager </a:t>
-            </a:r>
-            <a:r>
-              <a:rPr lang="en-US" dirty="0" err="1" smtClean="0"/>
-              <a:t>gereviewed</a:t>
-            </a:r>
-            <a:endParaRPr lang="en-US" dirty="0"/>
-          </a:p>
-          <a:p>
-            <a:pPr lvl="1"/>
-            <a:r>
-              <a:rPr lang="en-US" dirty="0" err="1" smtClean="0"/>
-              <a:t>Een</a:t>
-            </a:r>
-            <a:r>
-              <a:rPr lang="en-US" dirty="0" smtClean="0"/>
-              <a:t> </a:t>
-            </a:r>
-            <a:r>
-              <a:rPr lang="en-US" dirty="0" err="1" smtClean="0"/>
-              <a:t>gebruiker</a:t>
-            </a:r>
-            <a:r>
-              <a:rPr lang="en-US" dirty="0" smtClean="0"/>
-              <a:t> </a:t>
-            </a:r>
-            <a:r>
-              <a:rPr lang="en-US" dirty="0" err="1" smtClean="0"/>
-              <a:t>wordt</a:t>
-            </a:r>
-            <a:r>
-              <a:rPr lang="en-US" dirty="0" smtClean="0"/>
-              <a:t> </a:t>
-            </a:r>
-            <a:r>
-              <a:rPr lang="en-US" dirty="0" err="1" smtClean="0"/>
-              <a:t>niet</a:t>
-            </a:r>
-            <a:r>
-              <a:rPr lang="en-US" dirty="0" smtClean="0"/>
-              <a:t> </a:t>
-            </a:r>
-            <a:r>
-              <a:rPr lang="en-US" dirty="0" err="1" smtClean="0"/>
-              <a:t>gereviewed</a:t>
-            </a:r>
-            <a:r>
-              <a:rPr lang="en-US" dirty="0" smtClean="0"/>
-              <a:t> </a:t>
-            </a:r>
-            <a:r>
-              <a:rPr lang="en-US" dirty="0" err="1" smtClean="0"/>
-              <a:t>worden</a:t>
-            </a:r>
-            <a:r>
-              <a:rPr lang="en-US" dirty="0" smtClean="0"/>
-              <a:t> door </a:t>
-            </a:r>
-            <a:r>
-              <a:rPr lang="en-US" dirty="0" err="1" smtClean="0"/>
-              <a:t>zijn</a:t>
-            </a:r>
-            <a:r>
-              <a:rPr lang="en-US" dirty="0" smtClean="0"/>
-              <a:t> </a:t>
-            </a:r>
-            <a:r>
-              <a:rPr lang="en-US" dirty="0" err="1" smtClean="0"/>
-              <a:t>eigen</a:t>
-            </a:r>
-            <a:r>
-              <a:rPr lang="en-US" dirty="0" smtClean="0"/>
-              <a:t> manager</a:t>
-            </a:r>
-          </a:p>
-          <a:p>
-            <a:pPr lvl="1"/>
-            <a:r>
-              <a:rPr lang="en-US" dirty="0" err="1" smtClean="0"/>
-              <a:t>Een</a:t>
-            </a:r>
-            <a:r>
-              <a:rPr lang="en-US" dirty="0" smtClean="0"/>
-              <a:t> </a:t>
-            </a:r>
-            <a:r>
-              <a:rPr lang="en-US" dirty="0" err="1" smtClean="0"/>
-              <a:t>gebruiker</a:t>
-            </a:r>
-            <a:r>
-              <a:rPr lang="en-US" dirty="0" smtClean="0"/>
-              <a:t> </a:t>
-            </a:r>
-            <a:r>
-              <a:rPr lang="en-US" dirty="0" err="1" smtClean="0"/>
-              <a:t>krijgt</a:t>
-            </a:r>
-            <a:r>
-              <a:rPr lang="en-US" dirty="0" smtClean="0"/>
-              <a:t> </a:t>
-            </a:r>
-            <a:r>
-              <a:rPr lang="en-US" dirty="0" err="1" smtClean="0"/>
-              <a:t>hoogstens</a:t>
-            </a:r>
-            <a:r>
-              <a:rPr lang="en-US" dirty="0" smtClean="0"/>
-              <a:t> (2) reviews van </a:t>
-            </a:r>
-            <a:r>
-              <a:rPr lang="en-US" dirty="0" err="1" smtClean="0"/>
-              <a:t>zijn</a:t>
-            </a:r>
-            <a:r>
-              <a:rPr lang="en-US" dirty="0" smtClean="0"/>
-              <a:t> team/department</a:t>
-            </a:r>
-          </a:p>
-          <a:p>
-            <a:pPr lvl="1"/>
-            <a:r>
-              <a:rPr lang="en-US" dirty="0" smtClean="0"/>
-              <a:t>(x) = parameter, </a:t>
-            </a:r>
-            <a:r>
-              <a:rPr lang="en-US" dirty="0" err="1" smtClean="0"/>
-              <a:t>wijzigbaar</a:t>
-            </a:r>
-            <a:endParaRPr lang="en-US" dirty="0" smtClean="0"/>
-          </a:p>
-          <a:p>
-            <a:pPr lvl="1"/>
-            <a:endParaRPr lang="en-US" dirty="0" smtClean="0"/>
+              <a:rPr lang="nl-BE" dirty="0" smtClean="0"/>
+              <a:t>HTML</a:t>
+            </a:r>
+          </a:p>
+          <a:p>
+            <a:r>
+              <a:rPr lang="nl-BE" dirty="0" smtClean="0"/>
+              <a:t>CSS</a:t>
+            </a:r>
+          </a:p>
+          <a:p>
+            <a:r>
+              <a:rPr lang="nl-BE" dirty="0" smtClean="0"/>
+              <a:t>PHP</a:t>
+            </a:r>
+          </a:p>
+          <a:p>
+            <a:r>
+              <a:rPr lang="nl-BE" dirty="0" smtClean="0"/>
+              <a:t>Javascript</a:t>
+            </a:r>
+          </a:p>
+          <a:p>
+            <a:r>
+              <a:rPr lang="nl-BE" dirty="0" smtClean="0"/>
+              <a:t>Ajax</a:t>
+            </a:r>
+          </a:p>
+          <a:p>
+            <a:r>
+              <a:rPr lang="nl-BE" dirty="0" err="1" smtClean="0"/>
+              <a:t>MySQL</a:t>
+            </a:r>
+            <a:endParaRPr lang="nl-BE" dirty="0" smtClean="0"/>
+          </a:p>
+          <a:p>
+            <a:endParaRPr lang="nl-BE" dirty="0"/>
+          </a:p>
+          <a:p>
+            <a:r>
+              <a:rPr lang="nl-BE" dirty="0" smtClean="0"/>
+              <a:t>Implementatie in Linux</a:t>
+            </a:r>
+          </a:p>
+          <a:p>
+            <a:r>
+              <a:rPr lang="nl-BE" dirty="0" err="1" smtClean="0"/>
+              <a:t>Subversion</a:t>
+            </a:r>
+            <a:endParaRPr lang="nl-BE" dirty="0" smtClean="0"/>
+          </a:p>
+          <a:p>
+            <a:endParaRPr lang="nl-BE" dirty="0"/>
           </a:p>
         </p:txBody>
       </p:sp>
     </p:spTree>
     <p:extLst>
       <p:ext uri="{BB962C8B-B14F-4D97-AF65-F5344CB8AC3E}">
-        <p14:creationId xmlns:p14="http://schemas.microsoft.com/office/powerpoint/2010/main" val="3108204940"/>
+        <p14:creationId xmlns:p14="http://schemas.microsoft.com/office/powerpoint/2010/main" val="3185109254"/>
       </p:ext>
     </p:extLst>
   </p:cSld>
@@ -7554,7 +7288,7 @@
       </p:grpSpPr>
       <p:sp>
         <p:nvSpPr>
-          <p:cNvPr id="2" name="Rectangle 1"/>
+          <p:cNvPr id="2" name="Title 1"/>
           <p:cNvSpPr>
             <a:spLocks noGrp="1"/>
           </p:cNvSpPr>
@@ -7569,7 +7303,15 @@
           <a:p>
             <a:r>
               <a:rPr lang="en-US" dirty="0" err="1" smtClean="0"/>
-              <a:t>Structuur</a:t>
+              <a:t>Koppelen</a:t>
+            </a:r>
+            <a:r>
+              <a:rPr lang="en-US" dirty="0" smtClean="0"/>
+              <a:t> van </a:t>
+            </a:r>
+            <a:r>
+              <a:rPr lang="en-US" dirty="0" err="1" smtClean="0"/>
+              <a:t>gebruikers</a:t>
             </a:r>
             <a:endParaRPr lang="en-US" dirty="0"/>
           </a:p>
@@ -7577,7 +7319,7 @@
       </p:sp>
       <p:sp>
         <p:nvSpPr>
-          <p:cNvPr id="3" name="Rectangle 2"/>
+          <p:cNvPr id="3" name="Text Placeholder 2"/>
           <p:cNvSpPr>
             <a:spLocks noGrp="1"/>
           </p:cNvSpPr>
@@ -7591,12 +7333,392 @@
           <a:lstStyle/>
           <a:p>
             <a:r>
+              <a:rPr lang="en-US" dirty="0" err="1" smtClean="0"/>
+              <a:t>Algoritme</a:t>
+            </a:r>
+            <a:endParaRPr lang="en-US" dirty="0" smtClean="0"/>
+          </a:p>
+          <a:p>
+            <a:pPr marL="342900" lvl="1" indent="-342900"/>
+            <a:r>
+              <a:rPr lang="en-US" dirty="0" err="1"/>
+              <a:t>Gebruikers</a:t>
+            </a:r>
+            <a:r>
+              <a:rPr lang="en-US" dirty="0"/>
+              <a:t> </a:t>
+            </a:r>
+            <a:r>
+              <a:rPr lang="en-US" dirty="0" err="1"/>
+              <a:t>moeten</a:t>
+            </a:r>
+            <a:r>
+              <a:rPr lang="en-US" dirty="0"/>
+              <a:t> </a:t>
+            </a:r>
+            <a:r>
+              <a:rPr lang="en-US" dirty="0" err="1"/>
+              <a:t>niet</a:t>
+            </a:r>
+            <a:r>
+              <a:rPr lang="en-US" dirty="0"/>
+              <a:t> </a:t>
+            </a:r>
+            <a:r>
+              <a:rPr lang="en-US" dirty="0" err="1"/>
+              <a:t>voor</a:t>
+            </a:r>
+            <a:r>
+              <a:rPr lang="en-US" dirty="0"/>
+              <a:t> </a:t>
+            </a:r>
+            <a:r>
+              <a:rPr lang="en-US" dirty="0" err="1"/>
+              <a:t>alle</a:t>
+            </a:r>
+            <a:r>
+              <a:rPr lang="en-US" dirty="0"/>
+              <a:t> </a:t>
+            </a:r>
+            <a:r>
+              <a:rPr lang="en-US" dirty="0" err="1"/>
+              <a:t>andere</a:t>
+            </a:r>
+            <a:r>
+              <a:rPr lang="en-US" dirty="0"/>
+              <a:t> </a:t>
+            </a:r>
+            <a:r>
+              <a:rPr lang="en-US" dirty="0" err="1"/>
+              <a:t>gebruikers</a:t>
+            </a:r>
+            <a:r>
+              <a:rPr lang="en-US" dirty="0"/>
+              <a:t> de </a:t>
+            </a:r>
+            <a:r>
+              <a:rPr lang="en-US" dirty="0" err="1"/>
+              <a:t>vragenlijst</a:t>
+            </a:r>
+            <a:r>
+              <a:rPr lang="en-US" dirty="0"/>
+              <a:t> </a:t>
+            </a:r>
+            <a:r>
+              <a:rPr lang="en-US" dirty="0" err="1" smtClean="0"/>
+              <a:t>invullen</a:t>
+            </a:r>
+            <a:endParaRPr lang="en-US" dirty="0"/>
+          </a:p>
+          <a:p>
+            <a:r>
               <a:rPr lang="en-US" dirty="0" smtClean="0"/>
-              <a:t>Batch</a:t>
+              <a:t>Constraints:</a:t>
+            </a:r>
+          </a:p>
+          <a:p>
+            <a:pPr lvl="1"/>
+            <a:r>
+              <a:rPr lang="en-US" dirty="0" err="1" smtClean="0"/>
+              <a:t>Een</a:t>
             </a:r>
             <a:r>
               <a:rPr lang="en-US" dirty="0" smtClean="0"/>
-              <a:t>:</a:t>
+              <a:t> </a:t>
+            </a:r>
+            <a:r>
+              <a:rPr lang="en-US" dirty="0" err="1" smtClean="0"/>
+              <a:t>gebruiker</a:t>
+            </a:r>
+            <a:r>
+              <a:rPr lang="en-US" dirty="0" smtClean="0"/>
+              <a:t> </a:t>
+            </a:r>
+            <a:r>
+              <a:rPr lang="en-US" dirty="0" err="1" smtClean="0"/>
+              <a:t>wordt</a:t>
+            </a:r>
+            <a:r>
+              <a:rPr lang="en-US" dirty="0" smtClean="0"/>
+              <a:t> door (5) reviewers </a:t>
+            </a:r>
+            <a:r>
+              <a:rPr lang="en-US" dirty="0" err="1" smtClean="0"/>
+              <a:t>gereviewed</a:t>
+            </a:r>
+            <a:endParaRPr lang="en-US" dirty="0" smtClean="0"/>
+          </a:p>
+          <a:p>
+            <a:pPr lvl="1"/>
+            <a:r>
+              <a:rPr lang="en-US" dirty="0" err="1" smtClean="0"/>
+              <a:t>Een</a:t>
+            </a:r>
+            <a:r>
+              <a:rPr lang="en-US" dirty="0" smtClean="0"/>
+              <a:t> </a:t>
+            </a:r>
+            <a:r>
+              <a:rPr lang="en-US" dirty="0" err="1" smtClean="0"/>
+              <a:t>gebruiker</a:t>
+            </a:r>
+            <a:r>
+              <a:rPr lang="en-US" dirty="0" smtClean="0"/>
+              <a:t> reviewed (5) </a:t>
+            </a:r>
+            <a:r>
+              <a:rPr lang="en-US" dirty="0" err="1" smtClean="0"/>
+              <a:t>andere</a:t>
+            </a:r>
+            <a:r>
+              <a:rPr lang="en-US" dirty="0" smtClean="0"/>
+              <a:t> </a:t>
+            </a:r>
+            <a:r>
+              <a:rPr lang="en-US" dirty="0" err="1" smtClean="0"/>
+              <a:t>gebruikers</a:t>
+            </a:r>
+            <a:endParaRPr lang="en-US" dirty="0"/>
+          </a:p>
+          <a:p>
+            <a:pPr lvl="1"/>
+            <a:r>
+              <a:rPr lang="en-US" dirty="0" err="1" smtClean="0"/>
+              <a:t>Een</a:t>
+            </a:r>
+            <a:r>
+              <a:rPr lang="en-US" dirty="0" smtClean="0"/>
+              <a:t> </a:t>
+            </a:r>
+            <a:r>
+              <a:rPr lang="en-US" dirty="0" err="1" smtClean="0"/>
+              <a:t>gebruiker</a:t>
+            </a:r>
+            <a:r>
+              <a:rPr lang="en-US" dirty="0" smtClean="0"/>
+              <a:t> </a:t>
+            </a:r>
+            <a:r>
+              <a:rPr lang="en-US" dirty="0" err="1" smtClean="0"/>
+              <a:t>wordt</a:t>
+            </a:r>
+            <a:r>
+              <a:rPr lang="en-US" dirty="0" smtClean="0"/>
+              <a:t> </a:t>
+            </a:r>
+            <a:r>
+              <a:rPr lang="en-US" dirty="0" err="1" smtClean="0"/>
+              <a:t>hoogstens</a:t>
+            </a:r>
+            <a:r>
+              <a:rPr lang="en-US" dirty="0" smtClean="0"/>
+              <a:t> door (1) manager </a:t>
+            </a:r>
+            <a:r>
+              <a:rPr lang="en-US" dirty="0" err="1" smtClean="0"/>
+              <a:t>gereviewed</a:t>
+            </a:r>
+            <a:endParaRPr lang="en-US" dirty="0"/>
+          </a:p>
+          <a:p>
+            <a:pPr lvl="1"/>
+            <a:r>
+              <a:rPr lang="en-US" dirty="0" err="1" smtClean="0"/>
+              <a:t>Een</a:t>
+            </a:r>
+            <a:r>
+              <a:rPr lang="en-US" dirty="0" smtClean="0"/>
+              <a:t> </a:t>
+            </a:r>
+            <a:r>
+              <a:rPr lang="en-US" dirty="0" err="1" smtClean="0"/>
+              <a:t>gebruiker</a:t>
+            </a:r>
+            <a:r>
+              <a:rPr lang="en-US" dirty="0" smtClean="0"/>
+              <a:t> </a:t>
+            </a:r>
+            <a:r>
+              <a:rPr lang="en-US" dirty="0" err="1" smtClean="0"/>
+              <a:t>wordt</a:t>
+            </a:r>
+            <a:r>
+              <a:rPr lang="en-US" dirty="0" smtClean="0"/>
+              <a:t> </a:t>
+            </a:r>
+            <a:r>
+              <a:rPr lang="en-US" dirty="0" err="1" smtClean="0"/>
+              <a:t>niet</a:t>
+            </a:r>
+            <a:r>
+              <a:rPr lang="en-US" dirty="0" smtClean="0"/>
+              <a:t> </a:t>
+            </a:r>
+            <a:r>
+              <a:rPr lang="en-US" dirty="0" err="1" smtClean="0"/>
+              <a:t>gereviewed</a:t>
+            </a:r>
+            <a:r>
+              <a:rPr lang="en-US" dirty="0" smtClean="0"/>
+              <a:t> </a:t>
+            </a:r>
+            <a:r>
+              <a:rPr lang="en-US" dirty="0" err="1" smtClean="0"/>
+              <a:t>worden</a:t>
+            </a:r>
+            <a:r>
+              <a:rPr lang="en-US" dirty="0" smtClean="0"/>
+              <a:t> door </a:t>
+            </a:r>
+            <a:r>
+              <a:rPr lang="en-US" dirty="0" err="1" smtClean="0"/>
+              <a:t>zijn</a:t>
+            </a:r>
+            <a:r>
+              <a:rPr lang="en-US" dirty="0" smtClean="0"/>
+              <a:t> </a:t>
+            </a:r>
+            <a:r>
+              <a:rPr lang="en-US" dirty="0" err="1" smtClean="0"/>
+              <a:t>eigen</a:t>
+            </a:r>
+            <a:r>
+              <a:rPr lang="en-US" dirty="0" smtClean="0"/>
+              <a:t> manager</a:t>
+            </a:r>
+          </a:p>
+          <a:p>
+            <a:pPr lvl="1"/>
+            <a:r>
+              <a:rPr lang="en-US" dirty="0" err="1" smtClean="0"/>
+              <a:t>Een</a:t>
+            </a:r>
+            <a:r>
+              <a:rPr lang="en-US" dirty="0" smtClean="0"/>
+              <a:t> </a:t>
+            </a:r>
+            <a:r>
+              <a:rPr lang="en-US" dirty="0" err="1" smtClean="0"/>
+              <a:t>gebruiker</a:t>
+            </a:r>
+            <a:r>
+              <a:rPr lang="en-US" dirty="0" smtClean="0"/>
+              <a:t> </a:t>
+            </a:r>
+            <a:r>
+              <a:rPr lang="en-US" dirty="0" err="1" smtClean="0"/>
+              <a:t>krijgt</a:t>
+            </a:r>
+            <a:r>
+              <a:rPr lang="en-US" dirty="0" smtClean="0"/>
+              <a:t> </a:t>
+            </a:r>
+            <a:r>
+              <a:rPr lang="en-US" dirty="0" err="1" smtClean="0"/>
+              <a:t>hoogstens</a:t>
+            </a:r>
+            <a:r>
+              <a:rPr lang="en-US" dirty="0" smtClean="0"/>
+              <a:t> (2) reviews van </a:t>
+            </a:r>
+            <a:r>
+              <a:rPr lang="en-US" dirty="0" err="1" smtClean="0"/>
+              <a:t>zijn</a:t>
+            </a:r>
+            <a:r>
+              <a:rPr lang="en-US" dirty="0" smtClean="0"/>
+              <a:t> team/department</a:t>
+            </a:r>
+          </a:p>
+          <a:p>
+            <a:pPr lvl="1"/>
+            <a:r>
+              <a:rPr lang="en-US" dirty="0" smtClean="0"/>
+              <a:t>(x) = parameter, </a:t>
+            </a:r>
+            <a:r>
+              <a:rPr lang="en-US" dirty="0" err="1" smtClean="0"/>
+              <a:t>wijzigbaar</a:t>
+            </a:r>
+            <a:endParaRPr lang="en-US" dirty="0" smtClean="0"/>
+          </a:p>
+          <a:p>
+            <a:pPr lvl="1"/>
+            <a:endParaRPr lang="en-US" dirty="0" smtClean="0"/>
+          </a:p>
+        </p:txBody>
+      </p:sp>
+    </p:spTree>
+    <p:extLst>
+      <p:ext uri="{BB962C8B-B14F-4D97-AF65-F5344CB8AC3E}">
+        <p14:creationId xmlns:p14="http://schemas.microsoft.com/office/powerpoint/2010/main" val="3108204940"/>
+      </p:ext>
+    </p:extLst>
+  </p:cSld>
+  <p:clrMapOvr>
+    <a:masterClrMapping/>
+  </p:clrMapOvr>
+</p:sld>
+</file>
+
+<file path=ppt/slides/slide5.xml><?xml version="1.0" encoding="utf-8"?>
+<p:sld xmlns:a="http://schemas.openxmlformats.org/drawingml/2006/main" xmlns:r="http://schemas.openxmlformats.org/officeDocument/2006/relationships" xmlns:p="http://schemas.openxmlformats.org/presentationml/2006/main">
+  <p:cSld>
+    <p:spTree>
+      <p:nvGrpSpPr>
+        <p:cNvPr id="1" name=""/>
+        <p:cNvGrpSpPr/>
+        <p:nvPr/>
+      </p:nvGrpSpPr>
+      <p:grpSpPr>
+        <a:xfrm>
+          <a:off x="0" y="0"/>
+          <a:ext cx="0" cy="0"/>
+          <a:chOff x="0" y="0"/>
+          <a:chExt cx="0" cy="0"/>
+        </a:xfrm>
+      </p:grpSpPr>
+      <p:sp>
+        <p:nvSpPr>
+          <p:cNvPr id="2" name="Rectangle 1"/>
+          <p:cNvSpPr>
+            <a:spLocks noGrp="1"/>
+          </p:cNvSpPr>
+          <p:nvPr>
+            <p:ph type="title"/>
+          </p:nvPr>
+        </p:nvSpPr>
+        <p:spPr/>
+        <p:txBody>
+          <a:bodyPr/>
+          <a:lstStyle/>
+          <a:p>
+            <a:r>
+              <a:rPr lang="en-US" dirty="0" err="1" smtClean="0"/>
+              <a:t>Structuur</a:t>
+            </a:r>
+            <a:endParaRPr lang="en-US" dirty="0"/>
+          </a:p>
+        </p:txBody>
+      </p:sp>
+      <p:sp>
+        <p:nvSpPr>
+          <p:cNvPr id="3" name="Rectangle 2"/>
+          <p:cNvSpPr>
+            <a:spLocks noGrp="1"/>
+          </p:cNvSpPr>
+          <p:nvPr>
+            <p:ph idx="1"/>
+          </p:nvPr>
+        </p:nvSpPr>
+        <p:spPr/>
+        <p:txBody>
+          <a:bodyPr/>
+          <a:lstStyle/>
+          <a:p>
+            <a:r>
+              <a:rPr lang="en-US" dirty="0" smtClean="0"/>
+              <a:t>Batch:</a:t>
             </a:r>
           </a:p>
           <a:p>
@@ -7839,7 +7961,7 @@
 </p:sld>
 </file>
 
-<file path=ppt/slides/slide5.xml><?xml version="1.0" encoding="utf-8"?>
+<file path=ppt/slides/slide6.xml><?xml version="1.0" encoding="utf-8"?>
 <p:sld xmlns:a="http://schemas.openxmlformats.org/drawingml/2006/main" xmlns:r="http://schemas.openxmlformats.org/officeDocument/2006/relationships" xmlns:p="http://schemas.openxmlformats.org/presentationml/2006/main">
   <p:cSld>
     <p:spTree>
@@ -7923,7 +8045,7 @@
 </p:sld>
 </file>
 
-<file path=ppt/slides/slide6.xml><?xml version="1.0" encoding="utf-8"?>
+<file path=ppt/slides/slide7.xml><?xml version="1.0" encoding="utf-8"?>
 <p:sld xmlns:a="http://schemas.openxmlformats.org/drawingml/2006/main" xmlns:r="http://schemas.openxmlformats.org/officeDocument/2006/relationships" xmlns:p="http://schemas.openxmlformats.org/presentationml/2006/main">
   <p:cSld>
     <p:spTree>

--- a/wiki/docs/Stage DNS Belgium.pptx
+++ b/wiki/docs/Stage DNS Belgium.pptx
@@ -7207,8 +7207,17 @@
           <a:p>
             <a:r>
               <a:rPr lang="nl-BE" dirty="0" smtClean="0"/>
-              <a:t>CSS</a:t>
-            </a:r>
+              <a:t>CSS (</a:t>
+            </a:r>
+            <a:r>
+              <a:rPr lang="nl-BE" dirty="0" err="1" smtClean="0"/>
+              <a:t>responsive</a:t>
+            </a:r>
+            <a:r>
+              <a:rPr lang="nl-BE" smtClean="0"/>
+              <a:t> design)</a:t>
+            </a:r>
+            <a:endParaRPr lang="nl-BE" dirty="0" smtClean="0"/>
           </a:p>
           <a:p>
             <a:r>
